--- a/_doc/Presentation/Slides.pptx
+++ b/_doc/Presentation/Slides.pptx
@@ -250,7 +250,7 @@
           <a:p>
             <a:fld id="{94B80795-348F-48B3-A8F3-23E43526E2BC}" type="datetimeFigureOut">
               <a:rPr lang="de-CH" smtClean="0"/>
-              <a:t>07.12.2015</a:t>
+              <a:t>08.12.2015</a:t>
             </a:fld>
             <a:endParaRPr lang="de-CH"/>
           </a:p>
@@ -420,7 +420,7 @@
           <a:p>
             <a:fld id="{94B80795-348F-48B3-A8F3-23E43526E2BC}" type="datetimeFigureOut">
               <a:rPr lang="de-CH" smtClean="0"/>
-              <a:t>07.12.2015</a:t>
+              <a:t>08.12.2015</a:t>
             </a:fld>
             <a:endParaRPr lang="de-CH"/>
           </a:p>
@@ -600,7 +600,7 @@
           <a:p>
             <a:fld id="{94B80795-348F-48B3-A8F3-23E43526E2BC}" type="datetimeFigureOut">
               <a:rPr lang="de-CH" smtClean="0"/>
-              <a:t>07.12.2015</a:t>
+              <a:t>08.12.2015</a:t>
             </a:fld>
             <a:endParaRPr lang="de-CH"/>
           </a:p>
@@ -770,7 +770,7 @@
           <a:p>
             <a:fld id="{94B80795-348F-48B3-A8F3-23E43526E2BC}" type="datetimeFigureOut">
               <a:rPr lang="de-CH" smtClean="0"/>
-              <a:t>07.12.2015</a:t>
+              <a:t>08.12.2015</a:t>
             </a:fld>
             <a:endParaRPr lang="de-CH"/>
           </a:p>
@@ -1016,7 +1016,7 @@
           <a:p>
             <a:fld id="{94B80795-348F-48B3-A8F3-23E43526E2BC}" type="datetimeFigureOut">
               <a:rPr lang="de-CH" smtClean="0"/>
-              <a:t>07.12.2015</a:t>
+              <a:t>08.12.2015</a:t>
             </a:fld>
             <a:endParaRPr lang="de-CH"/>
           </a:p>
@@ -1248,7 +1248,7 @@
           <a:p>
             <a:fld id="{94B80795-348F-48B3-A8F3-23E43526E2BC}" type="datetimeFigureOut">
               <a:rPr lang="de-CH" smtClean="0"/>
-              <a:t>07.12.2015</a:t>
+              <a:t>08.12.2015</a:t>
             </a:fld>
             <a:endParaRPr lang="de-CH"/>
           </a:p>
@@ -1615,7 +1615,7 @@
           <a:p>
             <a:fld id="{94B80795-348F-48B3-A8F3-23E43526E2BC}" type="datetimeFigureOut">
               <a:rPr lang="de-CH" smtClean="0"/>
-              <a:t>07.12.2015</a:t>
+              <a:t>08.12.2015</a:t>
             </a:fld>
             <a:endParaRPr lang="de-CH"/>
           </a:p>
@@ -1733,7 +1733,7 @@
           <a:p>
             <a:fld id="{94B80795-348F-48B3-A8F3-23E43526E2BC}" type="datetimeFigureOut">
               <a:rPr lang="de-CH" smtClean="0"/>
-              <a:t>07.12.2015</a:t>
+              <a:t>08.12.2015</a:t>
             </a:fld>
             <a:endParaRPr lang="de-CH"/>
           </a:p>
@@ -1828,7 +1828,7 @@
           <a:p>
             <a:fld id="{94B80795-348F-48B3-A8F3-23E43526E2BC}" type="datetimeFigureOut">
               <a:rPr lang="de-CH" smtClean="0"/>
-              <a:t>07.12.2015</a:t>
+              <a:t>08.12.2015</a:t>
             </a:fld>
             <a:endParaRPr lang="de-CH"/>
           </a:p>
@@ -2105,7 +2105,7 @@
           <a:p>
             <a:fld id="{94B80795-348F-48B3-A8F3-23E43526E2BC}" type="datetimeFigureOut">
               <a:rPr lang="de-CH" smtClean="0"/>
-              <a:t>07.12.2015</a:t>
+              <a:t>08.12.2015</a:t>
             </a:fld>
             <a:endParaRPr lang="de-CH"/>
           </a:p>
@@ -2358,7 +2358,7 @@
           <a:p>
             <a:fld id="{94B80795-348F-48B3-A8F3-23E43526E2BC}" type="datetimeFigureOut">
               <a:rPr lang="de-CH" smtClean="0"/>
-              <a:t>07.12.2015</a:t>
+              <a:t>08.12.2015</a:t>
             </a:fld>
             <a:endParaRPr lang="de-CH"/>
           </a:p>
@@ -2581,7 +2581,7 @@
           <a:p>
             <a:fld id="{94B80795-348F-48B3-A8F3-23E43526E2BC}" type="datetimeFigureOut">
               <a:rPr lang="de-CH" smtClean="0"/>
-              <a:t>07.12.2015</a:t>
+              <a:t>08.12.2015</a:t>
             </a:fld>
             <a:endParaRPr lang="de-CH"/>
           </a:p>
@@ -5904,7 +5904,9 @@
         </p:nvSpPr>
         <p:spPr/>
         <p:txBody>
-          <a:bodyPr/>
+          <a:bodyPr>
+            <a:normAutofit lnSpcReduction="10000"/>
+          </a:bodyPr>
           <a:lstStyle/>
           <a:p>
             <a:r>
@@ -5963,8 +5965,28 @@
             </a:r>
             <a:r>
               <a:rPr lang="de-CH" dirty="0" smtClean="0"/>
-              <a:t> Files</a:t>
-            </a:r>
+              <a:t> </a:t>
+            </a:r>
+            <a:r>
+              <a:rPr lang="de-CH" dirty="0" smtClean="0"/>
+              <a:t>Files</a:t>
+            </a:r>
+          </a:p>
+          <a:p>
+            <a:pPr lvl="1"/>
+            <a:r>
+              <a:rPr lang="en-GB" dirty="0" err="1" smtClean="0"/>
+              <a:t>Modulare</a:t>
+            </a:r>
+            <a:r>
+              <a:rPr lang="en-GB" dirty="0" smtClean="0"/>
+              <a:t> Chat </a:t>
+            </a:r>
+            <a:r>
+              <a:rPr lang="en-GB" dirty="0" err="1" smtClean="0"/>
+              <a:t>Direktive</a:t>
+            </a:r>
+            <a:endParaRPr lang="de-CH" dirty="0" smtClean="0"/>
           </a:p>
           <a:p>
             <a:r>
@@ -6008,6 +6030,33 @@
             <a:r>
               <a:rPr lang="de-CH" dirty="0" smtClean="0"/>
               <a:t>-Module</a:t>
+            </a:r>
+          </a:p>
+          <a:p>
+            <a:pPr lvl="1"/>
+            <a:r>
+              <a:rPr lang="en-GB" dirty="0" err="1" smtClean="0"/>
+              <a:t>Oauth</a:t>
+            </a:r>
+            <a:r>
+              <a:rPr lang="en-GB" dirty="0" smtClean="0"/>
+              <a:t> </a:t>
+            </a:r>
+            <a:r>
+              <a:rPr lang="en-GB" dirty="0" err="1" smtClean="0"/>
+              <a:t>mit</a:t>
+            </a:r>
+            <a:r>
+              <a:rPr lang="en-GB" dirty="0" smtClean="0"/>
+              <a:t> Twitter (</a:t>
+            </a:r>
+            <a:r>
+              <a:rPr lang="en-GB" dirty="0" err="1" smtClean="0"/>
+              <a:t>Prototyp</a:t>
+            </a:r>
+            <a:r>
+              <a:rPr lang="en-GB" dirty="0" smtClean="0"/>
+              <a:t>)</a:t>
             </a:r>
             <a:endParaRPr lang="de-CH" dirty="0"/>
           </a:p>
@@ -6164,8 +6213,14 @@
             </a:r>
             <a:r>
               <a:rPr lang="de-CH" dirty="0" smtClean="0"/>
-              <a:t>, Security)</a:t>
-            </a:r>
+              <a:t>, Security</a:t>
+            </a:r>
+            <a:r>
+              <a:rPr lang="de-CH" dirty="0" smtClean="0"/>
+              <a:t>)</a:t>
+            </a:r>
+          </a:p>
+          <a:p>
             <a:endParaRPr lang="de-CH" dirty="0"/>
           </a:p>
         </p:txBody>

--- a/_doc/Presentation/Slides.pptx
+++ b/_doc/Presentation/Slides.pptx
@@ -5,7 +5,7 @@
     <p:sldMasterId id="2147483648" r:id="rId1"/>
   </p:sldMasterIdLst>
   <p:sldIdLst>
-    <p:sldId id="256" r:id="rId2"/>
+    <p:sldId id="264" r:id="rId2"/>
     <p:sldId id="257" r:id="rId3"/>
     <p:sldId id="258" r:id="rId4"/>
     <p:sldId id="259" r:id="rId5"/>
@@ -250,7 +250,7 @@
           <a:p>
             <a:fld id="{94B80795-348F-48B3-A8F3-23E43526E2BC}" type="datetimeFigureOut">
               <a:rPr lang="de-CH" smtClean="0"/>
-              <a:t>08.12.2015</a:t>
+              <a:t>13.12.2015</a:t>
             </a:fld>
             <a:endParaRPr lang="de-CH"/>
           </a:p>
@@ -420,7 +420,7 @@
           <a:p>
             <a:fld id="{94B80795-348F-48B3-A8F3-23E43526E2BC}" type="datetimeFigureOut">
               <a:rPr lang="de-CH" smtClean="0"/>
-              <a:t>08.12.2015</a:t>
+              <a:t>13.12.2015</a:t>
             </a:fld>
             <a:endParaRPr lang="de-CH"/>
           </a:p>
@@ -600,7 +600,7 @@
           <a:p>
             <a:fld id="{94B80795-348F-48B3-A8F3-23E43526E2BC}" type="datetimeFigureOut">
               <a:rPr lang="de-CH" smtClean="0"/>
-              <a:t>08.12.2015</a:t>
+              <a:t>13.12.2015</a:t>
             </a:fld>
             <a:endParaRPr lang="de-CH"/>
           </a:p>
@@ -770,7 +770,7 @@
           <a:p>
             <a:fld id="{94B80795-348F-48B3-A8F3-23E43526E2BC}" type="datetimeFigureOut">
               <a:rPr lang="de-CH" smtClean="0"/>
-              <a:t>08.12.2015</a:t>
+              <a:t>13.12.2015</a:t>
             </a:fld>
             <a:endParaRPr lang="de-CH"/>
           </a:p>
@@ -1016,7 +1016,7 @@
           <a:p>
             <a:fld id="{94B80795-348F-48B3-A8F3-23E43526E2BC}" type="datetimeFigureOut">
               <a:rPr lang="de-CH" smtClean="0"/>
-              <a:t>08.12.2015</a:t>
+              <a:t>13.12.2015</a:t>
             </a:fld>
             <a:endParaRPr lang="de-CH"/>
           </a:p>
@@ -1248,7 +1248,7 @@
           <a:p>
             <a:fld id="{94B80795-348F-48B3-A8F3-23E43526E2BC}" type="datetimeFigureOut">
               <a:rPr lang="de-CH" smtClean="0"/>
-              <a:t>08.12.2015</a:t>
+              <a:t>13.12.2015</a:t>
             </a:fld>
             <a:endParaRPr lang="de-CH"/>
           </a:p>
@@ -1615,7 +1615,7 @@
           <a:p>
             <a:fld id="{94B80795-348F-48B3-A8F3-23E43526E2BC}" type="datetimeFigureOut">
               <a:rPr lang="de-CH" smtClean="0"/>
-              <a:t>08.12.2015</a:t>
+              <a:t>13.12.2015</a:t>
             </a:fld>
             <a:endParaRPr lang="de-CH"/>
           </a:p>
@@ -1733,7 +1733,7 @@
           <a:p>
             <a:fld id="{94B80795-348F-48B3-A8F3-23E43526E2BC}" type="datetimeFigureOut">
               <a:rPr lang="de-CH" smtClean="0"/>
-              <a:t>08.12.2015</a:t>
+              <a:t>13.12.2015</a:t>
             </a:fld>
             <a:endParaRPr lang="de-CH"/>
           </a:p>
@@ -1828,7 +1828,7 @@
           <a:p>
             <a:fld id="{94B80795-348F-48B3-A8F3-23E43526E2BC}" type="datetimeFigureOut">
               <a:rPr lang="de-CH" smtClean="0"/>
-              <a:t>08.12.2015</a:t>
+              <a:t>13.12.2015</a:t>
             </a:fld>
             <a:endParaRPr lang="de-CH"/>
           </a:p>
@@ -2105,7 +2105,7 @@
           <a:p>
             <a:fld id="{94B80795-348F-48B3-A8F3-23E43526E2BC}" type="datetimeFigureOut">
               <a:rPr lang="de-CH" smtClean="0"/>
-              <a:t>08.12.2015</a:t>
+              <a:t>13.12.2015</a:t>
             </a:fld>
             <a:endParaRPr lang="de-CH"/>
           </a:p>
@@ -2358,7 +2358,7 @@
           <a:p>
             <a:fld id="{94B80795-348F-48B3-A8F3-23E43526E2BC}" type="datetimeFigureOut">
               <a:rPr lang="de-CH" smtClean="0"/>
-              <a:t>08.12.2015</a:t>
+              <a:t>13.12.2015</a:t>
             </a:fld>
             <a:endParaRPr lang="de-CH"/>
           </a:p>
@@ -2581,7 +2581,7 @@
           <a:p>
             <a:fld id="{94B80795-348F-48B3-A8F3-23E43526E2BC}" type="datetimeFigureOut">
               <a:rPr lang="de-CH" smtClean="0"/>
-              <a:t>08.12.2015</a:t>
+              <a:t>13.12.2015</a:t>
             </a:fld>
             <a:endParaRPr lang="de-CH"/>
           </a:p>
@@ -2993,7 +2993,7 @@
             <a:spLocks noGrp="1"/>
           </p:cNvSpPr>
           <p:nvPr>
-            <p:ph type="ctrTitle"/>
+            <p:ph type="title"/>
           </p:nvPr>
         </p:nvSpPr>
         <p:spPr/>
@@ -3002,57 +3002,134 @@
           <a:lstStyle/>
           <a:p>
             <a:r>
-              <a:rPr lang="de-CH" dirty="0"/>
-              <a:t>4</a:t>
-            </a:r>
-            <a:r>
-              <a:rPr lang="de-CH" dirty="0" smtClean="0"/>
-              <a:t> Gewinnt</a:t>
+              <a:rPr lang="de-CH" dirty="0" smtClean="0"/>
+              <a:t>4 Gewinnt – Gruppe 6</a:t>
             </a:r>
             <a:endParaRPr lang="de-CH" dirty="0"/>
           </a:p>
         </p:txBody>
       </p:sp>
-      <p:sp>
-        <p:nvSpPr>
-          <p:cNvPr id="3" name="Subtitle 2"/>
-          <p:cNvSpPr>
-            <a:spLocks noGrp="1"/>
-          </p:cNvSpPr>
-          <p:nvPr>
-            <p:ph type="subTitle" idx="1"/>
-          </p:nvPr>
-        </p:nvSpPr>
-        <p:spPr/>
-        <p:txBody>
-          <a:bodyPr/>
-          <a:lstStyle/>
-          <a:p>
-            <a:r>
-              <a:rPr lang="de-CH" dirty="0" smtClean="0"/>
-              <a:t>Gruppe 6</a:t>
-            </a:r>
-            <a:endParaRPr lang="de-CH" dirty="0"/>
-          </a:p>
-        </p:txBody>
-      </p:sp>
+      <p:pic>
+        <p:nvPicPr>
+          <p:cNvPr id="3" name="Picture 2"/>
+          <p:cNvPicPr>
+            <a:picLocks noChangeAspect="1"/>
+          </p:cNvPicPr>
+          <p:nvPr/>
+        </p:nvPicPr>
+        <p:blipFill>
+          <a:blip r:embed="rId2" cstate="print">
+            <a:extLst>
+              <a:ext uri="{28A0092B-C50C-407E-A947-70E740481C1C}">
+                <a14:useLocalDpi xmlns:a14="http://schemas.microsoft.com/office/drawing/2010/main" val="0"/>
+              </a:ext>
+            </a:extLst>
+          </a:blip>
+          <a:stretch>
+            <a:fillRect/>
+          </a:stretch>
+        </p:blipFill>
+        <p:spPr>
+          <a:xfrm>
+            <a:off x="1847528" y="4149080"/>
+            <a:ext cx="3464783" cy="2320018"/>
+          </a:xfrm>
+          <a:prstGeom prst="rect">
+            <a:avLst/>
+          </a:prstGeom>
+          <a:effectLst>
+            <a:outerShdw blurRad="50800" dist="38100" dir="2700000" algn="tl" rotWithShape="0">
+              <a:prstClr val="black">
+                <a:alpha val="40000"/>
+              </a:prstClr>
+            </a:outerShdw>
+          </a:effectLst>
+        </p:spPr>
+      </p:pic>
+      <p:pic>
+        <p:nvPicPr>
+          <p:cNvPr id="4" name="Picture 3"/>
+          <p:cNvPicPr>
+            <a:picLocks noChangeAspect="1"/>
+          </p:cNvPicPr>
+          <p:nvPr/>
+        </p:nvPicPr>
+        <p:blipFill>
+          <a:blip r:embed="rId3" cstate="print">
+            <a:extLst>
+              <a:ext uri="{28A0092B-C50C-407E-A947-70E740481C1C}">
+                <a14:useLocalDpi xmlns:a14="http://schemas.microsoft.com/office/drawing/2010/main" val="0"/>
+              </a:ext>
+            </a:extLst>
+          </a:blip>
+          <a:stretch>
+            <a:fillRect/>
+          </a:stretch>
+        </p:blipFill>
+        <p:spPr>
+          <a:xfrm>
+            <a:off x="479376" y="4509120"/>
+            <a:ext cx="1008112" cy="1927032"/>
+          </a:xfrm>
+          <a:prstGeom prst="rect">
+            <a:avLst/>
+          </a:prstGeom>
+          <a:effectLst>
+            <a:outerShdw blurRad="50800" dist="38100" dir="2700000" algn="tl" rotWithShape="0">
+              <a:prstClr val="black">
+                <a:alpha val="40000"/>
+              </a:prstClr>
+            </a:outerShdw>
+          </a:effectLst>
+        </p:spPr>
+      </p:pic>
+      <p:pic>
+        <p:nvPicPr>
+          <p:cNvPr id="5" name="Picture 4"/>
+          <p:cNvPicPr>
+            <a:picLocks noChangeAspect="1"/>
+          </p:cNvPicPr>
+          <p:nvPr/>
+        </p:nvPicPr>
+        <p:blipFill>
+          <a:blip r:embed="rId4">
+            <a:extLst>
+              <a:ext uri="{28A0092B-C50C-407E-A947-70E740481C1C}">
+                <a14:useLocalDpi xmlns:a14="http://schemas.microsoft.com/office/drawing/2010/main" val="0"/>
+              </a:ext>
+            </a:extLst>
+          </a:blip>
+          <a:stretch>
+            <a:fillRect/>
+          </a:stretch>
+        </p:blipFill>
+        <p:spPr>
+          <a:xfrm>
+            <a:off x="5663952" y="2852936"/>
+            <a:ext cx="6067894" cy="3688798"/>
+          </a:xfrm>
+          <a:prstGeom prst="rect">
+            <a:avLst/>
+          </a:prstGeom>
+          <a:effectLst>
+            <a:outerShdw blurRad="50800" dist="38100" dir="2700000" algn="tl" rotWithShape="0">
+              <a:prstClr val="black">
+                <a:alpha val="40000"/>
+              </a:prstClr>
+            </a:outerShdw>
+          </a:effectLst>
+        </p:spPr>
+      </p:pic>
     </p:spTree>
     <p:extLst>
       <p:ext uri="{BB962C8B-B14F-4D97-AF65-F5344CB8AC3E}">
-        <p14:creationId xmlns:p14="http://schemas.microsoft.com/office/powerpoint/2010/main" val="938671014"/>
+        <p14:creationId xmlns:p14="http://schemas.microsoft.com/office/powerpoint/2010/main" val="3432770489"/>
       </p:ext>
     </p:extLst>
   </p:cSld>
   <p:clrMapOvr>
     <a:masterClrMapping/>
   </p:clrMapOvr>
-  <p:timing>
-    <p:tnLst>
-      <p:par>
-        <p:cTn id="1" dur="indefinite" restart="never" nodeType="tmRoot"/>
-      </p:par>
-    </p:tnLst>
-  </p:timing>
 </p:sld>
 </file>
 
@@ -5965,11 +6042,7 @@
             </a:r>
             <a:r>
               <a:rPr lang="de-CH" dirty="0" smtClean="0"/>
-              <a:t> </a:t>
-            </a:r>
-            <a:r>
-              <a:rPr lang="de-CH" dirty="0" smtClean="0"/>
-              <a:t>Files</a:t>
+              <a:t> Files</a:t>
             </a:r>
           </a:p>
           <a:p>
@@ -6213,11 +6286,7 @@
             </a:r>
             <a:r>
               <a:rPr lang="de-CH" dirty="0" smtClean="0"/>
-              <a:t>, Security</a:t>
-            </a:r>
-            <a:r>
-              <a:rPr lang="de-CH" dirty="0" smtClean="0"/>
-              <a:t>)</a:t>
+              <a:t>, Security)</a:t>
             </a:r>
           </a:p>
           <a:p>

--- a/_doc/Presentation/Slides.pptx
+++ b/_doc/Presentation/Slides.pptx
@@ -3011,7 +3011,7 @@
       </p:sp>
       <p:pic>
         <p:nvPicPr>
-          <p:cNvPr id="3" name="Picture 2"/>
+          <p:cNvPr id="6" name="Picture 5"/>
           <p:cNvPicPr>
             <a:picLocks noChangeAspect="1"/>
           </p:cNvPicPr>
@@ -3031,8 +3031,8 @@
         </p:blipFill>
         <p:spPr>
           <a:xfrm>
-            <a:off x="1847528" y="4149080"/>
-            <a:ext cx="3464783" cy="2320018"/>
+            <a:off x="1703512" y="4075804"/>
+            <a:ext cx="3611638" cy="2418354"/>
           </a:xfrm>
           <a:prstGeom prst="rect">
             <a:avLst/>
@@ -3048,7 +3048,7 @@
       </p:pic>
       <p:pic>
         <p:nvPicPr>
-          <p:cNvPr id="4" name="Picture 3"/>
+          <p:cNvPr id="7" name="Picture 6"/>
           <p:cNvPicPr>
             <a:picLocks noChangeAspect="1"/>
           </p:cNvPicPr>
@@ -3069,7 +3069,7 @@
         <p:spPr>
           <a:xfrm>
             <a:off x="479376" y="4509120"/>
-            <a:ext cx="1008112" cy="1927032"/>
+            <a:ext cx="1054900" cy="2016471"/>
           </a:xfrm>
           <a:prstGeom prst="rect">
             <a:avLst/>
@@ -3085,7 +3085,7 @@
       </p:pic>
       <p:pic>
         <p:nvPicPr>
-          <p:cNvPr id="5" name="Picture 4"/>
+          <p:cNvPr id="8" name="Picture 7"/>
           <p:cNvPicPr>
             <a:picLocks noChangeAspect="1"/>
           </p:cNvPicPr>
@@ -3105,8 +3105,8 @@
         </p:blipFill>
         <p:spPr>
           <a:xfrm>
-            <a:off x="5663952" y="2852936"/>
-            <a:ext cx="6067894" cy="3688798"/>
+            <a:off x="5580452" y="2780928"/>
+            <a:ext cx="6156086" cy="3742413"/>
           </a:xfrm>
           <a:prstGeom prst="rect">
             <a:avLst/>
@@ -3130,6 +3130,13 @@
   <p:clrMapOvr>
     <a:masterClrMapping/>
   </p:clrMapOvr>
+  <p:timing>
+    <p:tnLst>
+      <p:par>
+        <p:cTn id="1" dur="indefinite" restart="never" nodeType="tmRoot"/>
+      </p:par>
+    </p:tnLst>
+  </p:timing>
 </p:sld>
 </file>
 
